--- a/FinalPresentation.pptx
+++ b/FinalPresentation.pptx
@@ -6,9 +6,15 @@
   </p:sldMasterIdLst>
   <p:sldIdLst>
     <p:sldId id="256" r:id="rId2"/>
-    <p:sldId id="257" r:id="rId3"/>
-    <p:sldId id="258" r:id="rId4"/>
-    <p:sldId id="259" r:id="rId5"/>
+    <p:sldId id="261" r:id="rId3"/>
+    <p:sldId id="257" r:id="rId4"/>
+    <p:sldId id="258" r:id="rId5"/>
+    <p:sldId id="259" r:id="rId6"/>
+    <p:sldId id="260" r:id="rId7"/>
+    <p:sldId id="262" r:id="rId8"/>
+    <p:sldId id="263" r:id="rId9"/>
+    <p:sldId id="264" r:id="rId10"/>
+    <p:sldId id="265" r:id="rId11"/>
   </p:sldIdLst>
   <p:sldSz cx="9144000" cy="6858000" type="screen4x3"/>
   <p:notesSz cx="6858000" cy="9144000"/>
@@ -302,7 +308,7 @@
           <a:p>
             <a:fld id="{216C5678-EE20-4FA5-88E2-6E0BD67A2E26}" type="datetime1">
               <a:rPr lang="en-US" smtClean="0"/>
-              <a:t>4/29/15</a:t>
+              <a:t>4/29/2015</a:t>
             </a:fld>
             <a:endParaRPr lang="en-US" dirty="0"/>
           </a:p>
@@ -472,7 +478,7 @@
           <a:p>
             <a:fld id="{EA051B39-B140-43FE-96DB-472A2B59CE7C}" type="datetime1">
               <a:rPr lang="en-US" smtClean="0"/>
-              <a:t>4/29/15</a:t>
+              <a:t>4/29/2015</a:t>
             </a:fld>
             <a:endParaRPr lang="en-US"/>
           </a:p>
@@ -652,7 +658,7 @@
           <a:p>
             <a:fld id="{DA600BB2-27C5-458B-ABCE-839C88CF47CE}" type="datetime1">
               <a:rPr lang="en-US" smtClean="0"/>
-              <a:t>4/29/15</a:t>
+              <a:t>4/29/2015</a:t>
             </a:fld>
             <a:endParaRPr lang="en-US"/>
           </a:p>
@@ -840,7 +846,7 @@
           <a:p>
             <a:fld id="{B11D738E-8962-435F-8C43-147B8DD7E819}" type="datetime1">
               <a:rPr lang="en-US" smtClean="0"/>
-              <a:t>4/29/15</a:t>
+              <a:t>4/29/2015</a:t>
             </a:fld>
             <a:endParaRPr lang="en-US"/>
           </a:p>
@@ -1107,7 +1113,7 @@
           <a:p>
             <a:fld id="{09CAEA93-55E7-4DA9-90C2-089A26EEFEC4}" type="datetime1">
               <a:rPr lang="en-US" smtClean="0"/>
-              <a:t>4/29/15</a:t>
+              <a:t>4/29/2015</a:t>
             </a:fld>
             <a:endParaRPr lang="en-US"/>
           </a:p>
@@ -1460,7 +1466,7 @@
           <a:p>
             <a:fld id="{E34CF3C7-6809-4F39-BD67-A75817BDDE0A}" type="datetime1">
               <a:rPr lang="en-US" smtClean="0"/>
-              <a:t>4/29/15</a:t>
+              <a:t>4/29/2015</a:t>
             </a:fld>
             <a:endParaRPr lang="en-US"/>
           </a:p>
@@ -1773,7 +1779,7 @@
           <a:p>
             <a:fld id="{F7EAEB24-CE78-465C-A726-91D0868FA48F}" type="datetime1">
               <a:rPr lang="en-US" smtClean="0"/>
-              <a:t>4/29/15</a:t>
+              <a:t>4/29/2015</a:t>
             </a:fld>
             <a:endParaRPr lang="en-US"/>
           </a:p>
@@ -2005,7 +2011,7 @@
           <a:p>
             <a:fld id="{40BAADF0-1749-4E8B-9691-B44A5F8C0895}" type="datetime1">
               <a:rPr lang="en-US" smtClean="0"/>
-              <a:t>4/29/15</a:t>
+              <a:t>4/29/2015</a:t>
             </a:fld>
             <a:endParaRPr lang="en-US"/>
           </a:p>
@@ -2100,7 +2106,7 @@
           <a:p>
             <a:fld id="{A8AF628A-A867-4937-BBE5-207DB6F9C51A}" type="datetime1">
               <a:rPr lang="en-US" smtClean="0"/>
-              <a:t>4/29/15</a:t>
+              <a:t>4/29/2015</a:t>
             </a:fld>
             <a:endParaRPr lang="en-US"/>
           </a:p>
@@ -2393,7 +2399,7 @@
           <a:p>
             <a:fld id="{118BBB94-68E6-4675-A946-F1C5994EDBD7}" type="datetime1">
               <a:rPr lang="en-US" smtClean="0"/>
-              <a:t>4/29/15</a:t>
+              <a:t>4/29/2015</a:t>
             </a:fld>
             <a:endParaRPr lang="en-US"/>
           </a:p>
@@ -2667,7 +2673,7 @@
           <a:p>
             <a:fld id="{DC3B8377-21E3-4835-B75D-4E2847E2750F}" type="datetime1">
               <a:rPr lang="en-US" smtClean="0"/>
-              <a:t>4/29/15</a:t>
+              <a:t>4/29/2015</a:t>
             </a:fld>
             <a:endParaRPr lang="en-US"/>
           </a:p>
@@ -2882,7 +2888,7 @@
           <a:p>
             <a:fld id="{B0C4986D-6BE9-4264-908F-02DB36FD8D6C}" type="datetime1">
               <a:rPr lang="en-US" smtClean="0"/>
-              <a:t>4/29/15</a:t>
+              <a:t>4/29/2015</a:t>
             </a:fld>
             <a:endParaRPr lang="en-US" dirty="0"/>
           </a:p>
@@ -3500,6 +3506,135 @@
   <p:clrMapOvr>
     <a:masterClrMapping/>
   </p:clrMapOvr>
+  <p:timing>
+    <p:tnLst>
+      <p:par>
+        <p:cTn id="1" dur="indefinite" restart="never" nodeType="tmRoot"/>
+      </p:par>
+    </p:tnLst>
+  </p:timing>
+</p:sld>
+</file>
+
+<file path=ppt/slides/slide10.xml><?xml version="1.0" encoding="utf-8"?>
+<p:sld xmlns:a="http://schemas.openxmlformats.org/drawingml/2006/main" xmlns:r="http://schemas.openxmlformats.org/officeDocument/2006/relationships" xmlns:p="http://schemas.openxmlformats.org/presentationml/2006/main">
+  <p:cSld>
+    <p:spTree>
+      <p:nvGrpSpPr>
+        <p:cNvPr id="1" name=""/>
+        <p:cNvGrpSpPr/>
+        <p:nvPr/>
+      </p:nvGrpSpPr>
+      <p:grpSpPr>
+        <a:xfrm>
+          <a:off x="0" y="0"/>
+          <a:ext cx="0" cy="0"/>
+          <a:chOff x="0" y="0"/>
+          <a:chExt cx="0" cy="0"/>
+        </a:xfrm>
+      </p:grpSpPr>
+      <p:pic>
+        <p:nvPicPr>
+          <p:cNvPr id="5122" name="Picture 2"/>
+          <p:cNvPicPr>
+            <a:picLocks noChangeAspect="1" noChangeArrowheads="1"/>
+          </p:cNvPicPr>
+          <p:nvPr/>
+        </p:nvPicPr>
+        <p:blipFill>
+          <a:blip r:embed="rId2" cstate="email">
+            <a:extLst>
+              <a:ext uri="{28A0092B-C50C-407E-A947-70E740481C1C}">
+                <a14:useLocalDpi xmlns:a14="http://schemas.microsoft.com/office/drawing/2010/main" val="0"/>
+              </a:ext>
+            </a:extLst>
+          </a:blip>
+          <a:srcRect/>
+          <a:stretch>
+            <a:fillRect/>
+          </a:stretch>
+        </p:blipFill>
+        <p:spPr bwMode="auto">
+          <a:xfrm>
+            <a:off x="814153" y="897082"/>
+            <a:ext cx="7802921" cy="3699163"/>
+          </a:xfrm>
+          <a:prstGeom prst="rect">
+            <a:avLst/>
+          </a:prstGeom>
+          <a:noFill/>
+          <a:ln>
+            <a:noFill/>
+          </a:ln>
+          <a:extLst>
+            <a:ext uri="{909E8E84-426E-40DD-AFC4-6F175D3DCCD1}">
+              <a14:hiddenFill xmlns:a14="http://schemas.microsoft.com/office/drawing/2010/main">
+                <a:solidFill>
+                  <a:schemeClr val="accent1"/>
+                </a:solidFill>
+              </a14:hiddenFill>
+            </a:ext>
+            <a:ext uri="{91240B29-F687-4F45-9708-019B960494DF}">
+              <a14:hiddenLine xmlns:a14="http://schemas.microsoft.com/office/drawing/2010/main" w="9525">
+                <a:solidFill>
+                  <a:schemeClr val="tx1"/>
+                </a:solidFill>
+                <a:miter lim="800000"/>
+                <a:headEnd/>
+                <a:tailEnd/>
+              </a14:hiddenLine>
+            </a:ext>
+          </a:extLst>
+        </p:spPr>
+      </p:pic>
+      <p:sp>
+        <p:nvSpPr>
+          <p:cNvPr id="4" name="TextBox 3"/>
+          <p:cNvSpPr txBox="1"/>
+          <p:nvPr/>
+        </p:nvSpPr>
+        <p:spPr>
+          <a:xfrm>
+            <a:off x="1689098" y="5366266"/>
+            <a:ext cx="6102475" cy="369332"/>
+          </a:xfrm>
+          <a:prstGeom prst="rect">
+            <a:avLst/>
+          </a:prstGeom>
+          <a:noFill/>
+        </p:spPr>
+        <p:txBody>
+          <a:bodyPr wrap="square" rtlCol="0">
+            <a:spAutoFit/>
+          </a:bodyPr>
+          <a:lstStyle/>
+          <a:p>
+            <a:pPr algn="ctr"/>
+            <a:r>
+              <a:rPr lang="en-US" dirty="0" smtClean="0"/>
+              <a:t>Pie chart: Breakdown of number of users per list</a:t>
+            </a:r>
+            <a:endParaRPr lang="en-US" dirty="0"/>
+          </a:p>
+        </p:txBody>
+      </p:sp>
+    </p:spTree>
+    <p:extLst>
+      <p:ext uri="{BB962C8B-B14F-4D97-AF65-F5344CB8AC3E}">
+        <p14:creationId xmlns:p14="http://schemas.microsoft.com/office/powerpoint/2010/main" val="1322087924"/>
+      </p:ext>
+    </p:extLst>
+  </p:cSld>
+  <p:clrMapOvr>
+    <a:masterClrMapping/>
+  </p:clrMapOvr>
+  <p:timing>
+    <p:tnLst>
+      <p:par>
+        <p:cTn id="1" dur="indefinite" restart="never" nodeType="tmRoot"/>
+      </p:par>
+    </p:tnLst>
+  </p:timing>
 </p:sld>
 </file>
 
@@ -3530,62 +3665,55 @@
             <p:ph type="title"/>
           </p:nvPr>
         </p:nvSpPr>
-        <p:spPr>
-          <a:xfrm>
-            <a:off x="457200" y="-212715"/>
-            <a:ext cx="8229600" cy="975783"/>
-          </a:xfrm>
-        </p:spPr>
+        <p:spPr/>
         <p:txBody>
           <a:bodyPr/>
           <a:lstStyle/>
           <a:p>
             <a:r>
               <a:rPr lang="en-US" dirty="0" smtClean="0"/>
-              <a:t>Logical Model</a:t>
+              <a:t>Conceptual Model</a:t>
             </a:r>
             <a:endParaRPr lang="en-US" dirty="0"/>
           </a:p>
         </p:txBody>
       </p:sp>
-      <p:pic>
-        <p:nvPicPr>
-          <p:cNvPr id="4" name="Content Placeholder 3" descr="Logical.png"/>
-          <p:cNvPicPr>
-            <a:picLocks noGrp="1" noChangeAspect="1"/>
-          </p:cNvPicPr>
+      <p:sp>
+        <p:nvSpPr>
+          <p:cNvPr id="3" name="Content Placeholder 2"/>
+          <p:cNvSpPr>
+            <a:spLocks noGrp="1"/>
+          </p:cNvSpPr>
           <p:nvPr>
             <p:ph idx="1"/>
           </p:nvPr>
-        </p:nvPicPr>
-        <p:blipFill rotWithShape="1">
-          <a:blip r:embed="rId2" cstate="print">
-            <a:extLst>
-              <a:ext uri="{28A0092B-C50C-407E-A947-70E740481C1C}">
-                <a14:useLocalDpi xmlns:a14="http://schemas.microsoft.com/office/drawing/2010/main" val="0"/>
-              </a:ext>
-            </a:extLst>
-          </a:blip>
-          <a:srcRect t="863" b="836"/>
-          <a:stretch/>
-        </p:blipFill>
-        <p:spPr>
-          <a:xfrm>
-            <a:off x="457200" y="867827"/>
-            <a:ext cx="8229600" cy="5715000"/>
-          </a:xfrm>
-        </p:spPr>
-      </p:pic>
+        </p:nvSpPr>
+        <p:spPr/>
+        <p:txBody>
+          <a:bodyPr/>
+          <a:lstStyle/>
+          <a:p>
+            <a:endParaRPr lang="en-US" dirty="0"/>
+          </a:p>
+        </p:txBody>
+      </p:sp>
     </p:spTree>
     <p:extLst>
       <p:ext uri="{BB962C8B-B14F-4D97-AF65-F5344CB8AC3E}">
-        <p14:creationId xmlns:p14="http://schemas.microsoft.com/office/powerpoint/2010/main" val="1085334252"/>
+        <p14:creationId xmlns:p14="http://schemas.microsoft.com/office/powerpoint/2010/main" val="3416550096"/>
       </p:ext>
     </p:extLst>
   </p:cSld>
   <p:clrMapOvr>
     <a:masterClrMapping/>
   </p:clrMapOvr>
+  <p:timing>
+    <p:tnLst>
+      <p:par>
+        <p:cTn id="1" dur="indefinite" restart="never" nodeType="tmRoot"/>
+      </p:par>
+    </p:tnLst>
+  </p:timing>
 </p:sld>
 </file>
 
@@ -3608,6 +3736,125 @@
       </p:grpSpPr>
       <p:sp>
         <p:nvSpPr>
+          <p:cNvPr id="2" name="Title 1"/>
+          <p:cNvSpPr>
+            <a:spLocks noGrp="1"/>
+          </p:cNvSpPr>
+          <p:nvPr>
+            <p:ph type="title"/>
+          </p:nvPr>
+        </p:nvSpPr>
+        <p:spPr>
+          <a:xfrm>
+            <a:off x="457200" y="0"/>
+            <a:ext cx="8229600" cy="975783"/>
+          </a:xfrm>
+        </p:spPr>
+        <p:txBody>
+          <a:bodyPr/>
+          <a:lstStyle/>
+          <a:p>
+            <a:r>
+              <a:rPr lang="en-US" dirty="0" smtClean="0"/>
+              <a:t>Logical Model</a:t>
+            </a:r>
+            <a:endParaRPr lang="en-US" dirty="0"/>
+          </a:p>
+        </p:txBody>
+      </p:sp>
+      <p:pic>
+        <p:nvPicPr>
+          <p:cNvPr id="4098" name="Picture 2"/>
+          <p:cNvPicPr>
+            <a:picLocks noChangeAspect="1" noChangeArrowheads="1"/>
+          </p:cNvPicPr>
+          <p:nvPr/>
+        </p:nvPicPr>
+        <p:blipFill>
+          <a:blip r:embed="rId2" cstate="email">
+            <a:extLst>
+              <a:ext uri="{28A0092B-C50C-407E-A947-70E740481C1C}">
+                <a14:useLocalDpi xmlns:a14="http://schemas.microsoft.com/office/drawing/2010/main" val="0"/>
+              </a:ext>
+            </a:extLst>
+          </a:blip>
+          <a:srcRect/>
+          <a:stretch>
+            <a:fillRect/>
+          </a:stretch>
+        </p:blipFill>
+        <p:spPr bwMode="auto">
+          <a:xfrm>
+            <a:off x="740887" y="1398494"/>
+            <a:ext cx="7273560" cy="4816927"/>
+          </a:xfrm>
+          <a:prstGeom prst="rect">
+            <a:avLst/>
+          </a:prstGeom>
+          <a:noFill/>
+          <a:ln>
+            <a:noFill/>
+          </a:ln>
+          <a:extLst>
+            <a:ext uri="{909E8E84-426E-40DD-AFC4-6F175D3DCCD1}">
+              <a14:hiddenFill xmlns:a14="http://schemas.microsoft.com/office/drawing/2010/main">
+                <a:solidFill>
+                  <a:schemeClr val="accent1"/>
+                </a:solidFill>
+              </a14:hiddenFill>
+            </a:ext>
+            <a:ext uri="{91240B29-F687-4F45-9708-019B960494DF}">
+              <a14:hiddenLine xmlns:a14="http://schemas.microsoft.com/office/drawing/2010/main" w="9525">
+                <a:solidFill>
+                  <a:schemeClr val="tx1"/>
+                </a:solidFill>
+                <a:miter lim="800000"/>
+                <a:headEnd/>
+                <a:tailEnd/>
+              </a14:hiddenLine>
+            </a:ext>
+          </a:extLst>
+        </p:spPr>
+      </p:pic>
+    </p:spTree>
+    <p:extLst>
+      <p:ext uri="{BB962C8B-B14F-4D97-AF65-F5344CB8AC3E}">
+        <p14:creationId xmlns:p14="http://schemas.microsoft.com/office/powerpoint/2010/main" val="1085334252"/>
+      </p:ext>
+    </p:extLst>
+  </p:cSld>
+  <p:clrMapOvr>
+    <a:masterClrMapping/>
+  </p:clrMapOvr>
+  <p:timing>
+    <p:tnLst>
+      <p:par>
+        <p:cTn id="1" dur="indefinite" restart="never" nodeType="tmRoot"/>
+      </p:par>
+    </p:tnLst>
+  </p:timing>
+</p:sld>
+</file>
+
+<file path=ppt/slides/slide4.xml><?xml version="1.0" encoding="utf-8"?>
+<p:sld xmlns:a="http://schemas.openxmlformats.org/drawingml/2006/main" xmlns:r="http://schemas.openxmlformats.org/officeDocument/2006/relationships" xmlns:p="http://schemas.openxmlformats.org/presentationml/2006/main">
+  <p:cSld>
+    <p:spTree>
+      <p:nvGrpSpPr>
+        <p:cNvPr id="1" name=""/>
+        <p:cNvGrpSpPr/>
+        <p:nvPr/>
+      </p:nvGrpSpPr>
+      <p:grpSpPr>
+        <a:xfrm>
+          <a:off x="0" y="0"/>
+          <a:ext cx="0" cy="0"/>
+          <a:chOff x="0" y="0"/>
+          <a:chExt cx="0" cy="0"/>
+        </a:xfrm>
+      </p:grpSpPr>
+      <p:sp>
+        <p:nvSpPr>
           <p:cNvPr id="4" name="Title 1"/>
           <p:cNvSpPr txBox="1">
             <a:spLocks/>
@@ -3671,7 +3918,7 @@
           <p:nvPr/>
         </p:nvPicPr>
         <p:blipFill>
-          <a:blip r:embed="rId2" cstate="print">
+          <a:blip r:embed="rId2" cstate="email">
             <a:extLst>
               <a:ext uri="{28A0092B-C50C-407E-A947-70E740481C1C}">
                 <a14:useLocalDpi xmlns:a14="http://schemas.microsoft.com/office/drawing/2010/main" val="0"/>
@@ -3702,10 +3949,17 @@
   <p:clrMapOvr>
     <a:masterClrMapping/>
   </p:clrMapOvr>
+  <p:timing>
+    <p:tnLst>
+      <p:par>
+        <p:cTn id="1" dur="indefinite" restart="never" nodeType="tmRoot"/>
+      </p:par>
+    </p:tnLst>
+  </p:timing>
 </p:sld>
 </file>
 
-<file path=ppt/slides/slide4.xml><?xml version="1.0" encoding="utf-8"?>
+<file path=ppt/slides/slide5.xml><?xml version="1.0" encoding="utf-8"?>
 <p:sld xmlns:a="http://schemas.openxmlformats.org/drawingml/2006/main" xmlns:r="http://schemas.openxmlformats.org/officeDocument/2006/relationships" xmlns:p="http://schemas.openxmlformats.org/presentationml/2006/main">
   <p:cSld>
     <p:spTree>
@@ -3737,7 +3991,11 @@
           <a:bodyPr/>
           <a:lstStyle/>
           <a:p>
-            <a:endParaRPr lang="en-US"/>
+            <a:r>
+              <a:rPr lang="en-US" dirty="0" smtClean="0"/>
+              <a:t>Must Haves</a:t>
+            </a:r>
+            <a:endParaRPr lang="en-US" dirty="0"/>
           </a:p>
         </p:txBody>
       </p:sp>
@@ -3756,7 +4014,78 @@
           <a:bodyPr/>
           <a:lstStyle/>
           <a:p>
-            <a:endParaRPr lang="en-US"/>
+            <a:r>
+              <a:rPr lang="en-US" dirty="0" smtClean="0"/>
+              <a:t>Chart</a:t>
+            </a:r>
+          </a:p>
+          <a:p>
+            <a:r>
+              <a:rPr lang="en-US" dirty="0" smtClean="0"/>
+              <a:t>Search Bar*</a:t>
+            </a:r>
+          </a:p>
+          <a:p>
+            <a:r>
+              <a:rPr lang="en-US" dirty="0" smtClean="0"/>
+              <a:t>Clone employees</a:t>
+            </a:r>
+          </a:p>
+          <a:p>
+            <a:r>
+              <a:rPr lang="en-US" dirty="0" smtClean="0"/>
+              <a:t>Delete all membership for an employee</a:t>
+            </a:r>
+            <a:endParaRPr lang="en-US" dirty="0" smtClean="0"/>
+          </a:p>
+          <a:p>
+            <a:r>
+              <a:rPr lang="en-US" dirty="0" smtClean="0"/>
+              <a:t>Region Display Sector*</a:t>
+            </a:r>
+          </a:p>
+          <a:p>
+            <a:r>
+              <a:rPr lang="en-US" dirty="0" smtClean="0"/>
+              <a:t>Upload/download a document</a:t>
+            </a:r>
+          </a:p>
+          <a:p>
+            <a:r>
+              <a:rPr lang="en-US" dirty="0" smtClean="0"/>
+              <a:t>Shuttle*</a:t>
+            </a:r>
+          </a:p>
+          <a:p>
+            <a:r>
+              <a:rPr lang="en-US" dirty="0" smtClean="0"/>
+              <a:t>Group Select List</a:t>
+            </a:r>
+          </a:p>
+          <a:p>
+            <a:r>
+              <a:rPr lang="en-US" dirty="0" smtClean="0"/>
+              <a:t>Add list to a list</a:t>
+            </a:r>
+          </a:p>
+          <a:p>
+            <a:r>
+              <a:rPr lang="en-US" dirty="0" smtClean="0"/>
+              <a:t>Additional create buttons</a:t>
+            </a:r>
+            <a:endParaRPr lang="en-US" dirty="0" smtClean="0"/>
+          </a:p>
+          <a:p>
+            <a:pPr marL="0" indent="0">
+              <a:buNone/>
+            </a:pPr>
+            <a:endParaRPr lang="en-US" dirty="0" smtClean="0"/>
+          </a:p>
+          <a:p>
+            <a:pPr marL="0" indent="0">
+              <a:buNone/>
+            </a:pPr>
+            <a:endParaRPr lang="en-US" dirty="0"/>
           </a:p>
         </p:txBody>
       </p:sp>
@@ -3770,6 +4099,484 @@
   <p:clrMapOvr>
     <a:masterClrMapping/>
   </p:clrMapOvr>
+  <p:timing>
+    <p:tnLst>
+      <p:par>
+        <p:cTn id="1" dur="indefinite" restart="never" nodeType="tmRoot"/>
+      </p:par>
+    </p:tnLst>
+  </p:timing>
+</p:sld>
+</file>
+
+<file path=ppt/slides/slide6.xml><?xml version="1.0" encoding="utf-8"?>
+<p:sld xmlns:a="http://schemas.openxmlformats.org/drawingml/2006/main" xmlns:r="http://schemas.openxmlformats.org/officeDocument/2006/relationships" xmlns:p="http://schemas.openxmlformats.org/presentationml/2006/main">
+  <p:cSld>
+    <p:spTree>
+      <p:nvGrpSpPr>
+        <p:cNvPr id="1" name=""/>
+        <p:cNvGrpSpPr/>
+        <p:nvPr/>
+      </p:nvGrpSpPr>
+      <p:grpSpPr>
+        <a:xfrm>
+          <a:off x="0" y="0"/>
+          <a:ext cx="0" cy="0"/>
+          <a:chOff x="0" y="0"/>
+          <a:chExt cx="0" cy="0"/>
+        </a:xfrm>
+      </p:grpSpPr>
+      <p:sp>
+        <p:nvSpPr>
+          <p:cNvPr id="2" name="Title 1"/>
+          <p:cNvSpPr>
+            <a:spLocks noGrp="1"/>
+          </p:cNvSpPr>
+          <p:nvPr>
+            <p:ph type="title"/>
+          </p:nvPr>
+        </p:nvSpPr>
+        <p:spPr/>
+        <p:txBody>
+          <a:bodyPr/>
+          <a:lstStyle/>
+          <a:p>
+            <a:r>
+              <a:rPr lang="en-US" dirty="0" smtClean="0"/>
+              <a:t>Good to Have</a:t>
+            </a:r>
+            <a:endParaRPr lang="en-US" dirty="0"/>
+          </a:p>
+        </p:txBody>
+      </p:sp>
+      <p:sp>
+        <p:nvSpPr>
+          <p:cNvPr id="3" name="Content Placeholder 2"/>
+          <p:cNvSpPr>
+            <a:spLocks noGrp="1"/>
+          </p:cNvSpPr>
+          <p:nvPr>
+            <p:ph idx="1"/>
+          </p:nvPr>
+        </p:nvSpPr>
+        <p:spPr/>
+        <p:txBody>
+          <a:bodyPr/>
+          <a:lstStyle/>
+          <a:p>
+            <a:r>
+              <a:rPr lang="en-US" dirty="0" smtClean="0"/>
+              <a:t>Theme Roller</a:t>
+            </a:r>
+          </a:p>
+          <a:p>
+            <a:r>
+              <a:rPr lang="en-US" dirty="0" smtClean="0"/>
+              <a:t>Apex Timer Plugin</a:t>
+            </a:r>
+            <a:endParaRPr lang="en-US" dirty="0"/>
+          </a:p>
+        </p:txBody>
+      </p:sp>
+    </p:spTree>
+    <p:extLst>
+      <p:ext uri="{BB962C8B-B14F-4D97-AF65-F5344CB8AC3E}">
+        <p14:creationId xmlns:p14="http://schemas.microsoft.com/office/powerpoint/2010/main" val="1980184956"/>
+      </p:ext>
+    </p:extLst>
+  </p:cSld>
+  <p:clrMapOvr>
+    <a:masterClrMapping/>
+  </p:clrMapOvr>
+  <p:timing>
+    <p:tnLst>
+      <p:par>
+        <p:cTn id="1" dur="indefinite" restart="never" nodeType="tmRoot"/>
+      </p:par>
+    </p:tnLst>
+  </p:timing>
+</p:sld>
+</file>
+
+<file path=ppt/slides/slide7.xml><?xml version="1.0" encoding="utf-8"?>
+<p:sld xmlns:a="http://schemas.openxmlformats.org/drawingml/2006/main" xmlns:r="http://schemas.openxmlformats.org/officeDocument/2006/relationships" xmlns:p="http://schemas.openxmlformats.org/presentationml/2006/main">
+  <p:cSld>
+    <p:spTree>
+      <p:nvGrpSpPr>
+        <p:cNvPr id="1" name=""/>
+        <p:cNvGrpSpPr/>
+        <p:nvPr/>
+      </p:nvGrpSpPr>
+      <p:grpSpPr>
+        <a:xfrm>
+          <a:off x="0" y="0"/>
+          <a:ext cx="0" cy="0"/>
+          <a:chOff x="0" y="0"/>
+          <a:chExt cx="0" cy="0"/>
+        </a:xfrm>
+      </p:grpSpPr>
+      <p:pic>
+        <p:nvPicPr>
+          <p:cNvPr id="1026" name="Picture 2"/>
+          <p:cNvPicPr>
+            <a:picLocks noChangeAspect="1" noChangeArrowheads="1"/>
+          </p:cNvPicPr>
+          <p:nvPr/>
+        </p:nvPicPr>
+        <p:blipFill>
+          <a:blip r:embed="rId2" cstate="email">
+            <a:extLst>
+              <a:ext uri="{28A0092B-C50C-407E-A947-70E740481C1C}">
+                <a14:useLocalDpi xmlns:a14="http://schemas.microsoft.com/office/drawing/2010/main" val="0"/>
+              </a:ext>
+            </a:extLst>
+          </a:blip>
+          <a:srcRect/>
+          <a:stretch>
+            <a:fillRect/>
+          </a:stretch>
+        </p:blipFill>
+        <p:spPr bwMode="auto">
+          <a:xfrm>
+            <a:off x="554616" y="1095718"/>
+            <a:ext cx="7657054" cy="3688633"/>
+          </a:xfrm>
+          <a:prstGeom prst="rect">
+            <a:avLst/>
+          </a:prstGeom>
+          <a:noFill/>
+          <a:ln>
+            <a:noFill/>
+          </a:ln>
+          <a:extLst>
+            <a:ext uri="{909E8E84-426E-40DD-AFC4-6F175D3DCCD1}">
+              <a14:hiddenFill xmlns:a14="http://schemas.microsoft.com/office/drawing/2010/main">
+                <a:solidFill>
+                  <a:schemeClr val="accent1"/>
+                </a:solidFill>
+              </a14:hiddenFill>
+            </a:ext>
+            <a:ext uri="{91240B29-F687-4F45-9708-019B960494DF}">
+              <a14:hiddenLine xmlns:a14="http://schemas.microsoft.com/office/drawing/2010/main" w="9525">
+                <a:solidFill>
+                  <a:schemeClr val="tx1"/>
+                </a:solidFill>
+                <a:miter lim="800000"/>
+                <a:headEnd/>
+                <a:tailEnd/>
+              </a14:hiddenLine>
+            </a:ext>
+          </a:extLst>
+        </p:spPr>
+      </p:pic>
+      <p:sp>
+        <p:nvSpPr>
+          <p:cNvPr id="4" name="TextBox 3"/>
+          <p:cNvSpPr txBox="1"/>
+          <p:nvPr/>
+        </p:nvSpPr>
+        <p:spPr>
+          <a:xfrm>
+            <a:off x="2757054" y="5444835"/>
+            <a:ext cx="3463636" cy="369332"/>
+          </a:xfrm>
+          <a:prstGeom prst="rect">
+            <a:avLst/>
+          </a:prstGeom>
+          <a:noFill/>
+        </p:spPr>
+        <p:txBody>
+          <a:bodyPr wrap="square" rtlCol="0">
+            <a:spAutoFit/>
+          </a:bodyPr>
+          <a:lstStyle/>
+          <a:p>
+            <a:pPr algn="ctr"/>
+            <a:r>
+              <a:rPr lang="en-US" dirty="0" smtClean="0"/>
+              <a:t>Upload Documents Page</a:t>
+            </a:r>
+            <a:endParaRPr lang="en-US" dirty="0"/>
+          </a:p>
+        </p:txBody>
+      </p:sp>
+    </p:spTree>
+    <p:extLst>
+      <p:ext uri="{BB962C8B-B14F-4D97-AF65-F5344CB8AC3E}">
+        <p14:creationId xmlns:p14="http://schemas.microsoft.com/office/powerpoint/2010/main" val="4115645834"/>
+      </p:ext>
+    </p:extLst>
+  </p:cSld>
+  <p:clrMapOvr>
+    <a:masterClrMapping/>
+  </p:clrMapOvr>
+  <p:timing>
+    <p:tnLst>
+      <p:par>
+        <p:cTn id="1" dur="indefinite" restart="never" nodeType="tmRoot"/>
+      </p:par>
+    </p:tnLst>
+  </p:timing>
+</p:sld>
+</file>
+
+<file path=ppt/slides/slide8.xml><?xml version="1.0" encoding="utf-8"?>
+<p:sld xmlns:a="http://schemas.openxmlformats.org/drawingml/2006/main" xmlns:r="http://schemas.openxmlformats.org/officeDocument/2006/relationships" xmlns:p="http://schemas.openxmlformats.org/presentationml/2006/main">
+  <p:cSld>
+    <p:spTree>
+      <p:nvGrpSpPr>
+        <p:cNvPr id="1" name=""/>
+        <p:cNvGrpSpPr/>
+        <p:nvPr/>
+      </p:nvGrpSpPr>
+      <p:grpSpPr>
+        <a:xfrm>
+          <a:off x="0" y="0"/>
+          <a:ext cx="0" cy="0"/>
+          <a:chOff x="0" y="0"/>
+          <a:chExt cx="0" cy="0"/>
+        </a:xfrm>
+      </p:grpSpPr>
+      <p:pic>
+        <p:nvPicPr>
+          <p:cNvPr id="2050" name="Picture 2"/>
+          <p:cNvPicPr>
+            <a:picLocks noChangeAspect="1" noChangeArrowheads="1"/>
+          </p:cNvPicPr>
+          <p:nvPr/>
+        </p:nvPicPr>
+        <p:blipFill>
+          <a:blip r:embed="rId2" cstate="email">
+            <a:extLst>
+              <a:ext uri="{28A0092B-C50C-407E-A947-70E740481C1C}">
+                <a14:useLocalDpi xmlns:a14="http://schemas.microsoft.com/office/drawing/2010/main" val="0"/>
+              </a:ext>
+            </a:extLst>
+          </a:blip>
+          <a:srcRect/>
+          <a:stretch>
+            <a:fillRect/>
+          </a:stretch>
+        </p:blipFill>
+        <p:spPr bwMode="auto">
+          <a:xfrm>
+            <a:off x="545610" y="735104"/>
+            <a:ext cx="8187432" cy="3917577"/>
+          </a:xfrm>
+          <a:prstGeom prst="rect">
+            <a:avLst/>
+          </a:prstGeom>
+          <a:noFill/>
+          <a:ln>
+            <a:noFill/>
+          </a:ln>
+          <a:extLst>
+            <a:ext uri="{909E8E84-426E-40DD-AFC4-6F175D3DCCD1}">
+              <a14:hiddenFill xmlns:a14="http://schemas.microsoft.com/office/drawing/2010/main">
+                <a:solidFill>
+                  <a:schemeClr val="accent1"/>
+                </a:solidFill>
+              </a14:hiddenFill>
+            </a:ext>
+            <a:ext uri="{91240B29-F687-4F45-9708-019B960494DF}">
+              <a14:hiddenLine xmlns:a14="http://schemas.microsoft.com/office/drawing/2010/main" w="9525">
+                <a:solidFill>
+                  <a:schemeClr val="tx1"/>
+                </a:solidFill>
+                <a:miter lim="800000"/>
+                <a:headEnd/>
+                <a:tailEnd/>
+              </a14:hiddenLine>
+            </a:ext>
+          </a:extLst>
+        </p:spPr>
+      </p:pic>
+      <p:sp>
+        <p:nvSpPr>
+          <p:cNvPr id="4" name="TextBox 3"/>
+          <p:cNvSpPr txBox="1"/>
+          <p:nvPr/>
+        </p:nvSpPr>
+        <p:spPr>
+          <a:xfrm>
+            <a:off x="1039091" y="4973782"/>
+            <a:ext cx="7024254" cy="646331"/>
+          </a:xfrm>
+          <a:prstGeom prst="rect">
+            <a:avLst/>
+          </a:prstGeom>
+          <a:noFill/>
+        </p:spPr>
+        <p:txBody>
+          <a:bodyPr wrap="square" rtlCol="0">
+            <a:spAutoFit/>
+          </a:bodyPr>
+          <a:lstStyle/>
+          <a:p>
+            <a:pPr marL="285750" indent="-285750">
+              <a:buFont typeface="Arial" panose="020B0604020202020204" pitchFamily="34" charset="0"/>
+              <a:buChar char="•"/>
+            </a:pPr>
+            <a:r>
+              <a:rPr lang="en-US" dirty="0" smtClean="0"/>
+              <a:t>Clone Employees</a:t>
+            </a:r>
+          </a:p>
+          <a:p>
+            <a:pPr marL="285750" indent="-285750">
+              <a:buFont typeface="Arial" panose="020B0604020202020204" pitchFamily="34" charset="0"/>
+              <a:buChar char="•"/>
+            </a:pPr>
+            <a:r>
+              <a:rPr lang="en-US" dirty="0" smtClean="0"/>
+              <a:t>Delete all membership from employees</a:t>
+            </a:r>
+            <a:endParaRPr lang="en-US" dirty="0"/>
+          </a:p>
+        </p:txBody>
+      </p:sp>
+    </p:spTree>
+    <p:extLst>
+      <p:ext uri="{BB962C8B-B14F-4D97-AF65-F5344CB8AC3E}">
+        <p14:creationId xmlns:p14="http://schemas.microsoft.com/office/powerpoint/2010/main" val="3023434267"/>
+      </p:ext>
+    </p:extLst>
+  </p:cSld>
+  <p:clrMapOvr>
+    <a:masterClrMapping/>
+  </p:clrMapOvr>
+  <p:timing>
+    <p:tnLst>
+      <p:par>
+        <p:cTn id="1" dur="indefinite" restart="never" nodeType="tmRoot"/>
+      </p:par>
+    </p:tnLst>
+  </p:timing>
+</p:sld>
+</file>
+
+<file path=ppt/slides/slide9.xml><?xml version="1.0" encoding="utf-8"?>
+<p:sld xmlns:a="http://schemas.openxmlformats.org/drawingml/2006/main" xmlns:r="http://schemas.openxmlformats.org/officeDocument/2006/relationships" xmlns:p="http://schemas.openxmlformats.org/presentationml/2006/main">
+  <p:cSld>
+    <p:spTree>
+      <p:nvGrpSpPr>
+        <p:cNvPr id="1" name=""/>
+        <p:cNvGrpSpPr/>
+        <p:nvPr/>
+      </p:nvGrpSpPr>
+      <p:grpSpPr>
+        <a:xfrm>
+          <a:off x="0" y="0"/>
+          <a:ext cx="0" cy="0"/>
+          <a:chOff x="0" y="0"/>
+          <a:chExt cx="0" cy="0"/>
+        </a:xfrm>
+      </p:grpSpPr>
+      <p:pic>
+        <p:nvPicPr>
+          <p:cNvPr id="3074" name="Picture 2"/>
+          <p:cNvPicPr>
+            <a:picLocks noChangeAspect="1" noChangeArrowheads="1"/>
+          </p:cNvPicPr>
+          <p:nvPr/>
+        </p:nvPicPr>
+        <p:blipFill>
+          <a:blip r:embed="rId2" cstate="email">
+            <a:extLst>
+              <a:ext uri="{28A0092B-C50C-407E-A947-70E740481C1C}">
+                <a14:useLocalDpi xmlns:a14="http://schemas.microsoft.com/office/drawing/2010/main" val="0"/>
+              </a:ext>
+            </a:extLst>
+          </a:blip>
+          <a:srcRect/>
+          <a:stretch>
+            <a:fillRect/>
+          </a:stretch>
+        </p:blipFill>
+        <p:spPr bwMode="auto">
+          <a:xfrm>
+            <a:off x="647140" y="662799"/>
+            <a:ext cx="7833472" cy="3717580"/>
+          </a:xfrm>
+          <a:prstGeom prst="rect">
+            <a:avLst/>
+          </a:prstGeom>
+          <a:noFill/>
+          <a:ln>
+            <a:noFill/>
+          </a:ln>
+          <a:extLst>
+            <a:ext uri="{909E8E84-426E-40DD-AFC4-6F175D3DCCD1}">
+              <a14:hiddenFill xmlns:a14="http://schemas.microsoft.com/office/drawing/2010/main">
+                <a:solidFill>
+                  <a:schemeClr val="accent1"/>
+                </a:solidFill>
+              </a14:hiddenFill>
+            </a:ext>
+            <a:ext uri="{91240B29-F687-4F45-9708-019B960494DF}">
+              <a14:hiddenLine xmlns:a14="http://schemas.microsoft.com/office/drawing/2010/main" w="9525">
+                <a:solidFill>
+                  <a:schemeClr val="tx1"/>
+                </a:solidFill>
+                <a:miter lim="800000"/>
+                <a:headEnd/>
+                <a:tailEnd/>
+              </a14:hiddenLine>
+            </a:ext>
+          </a:extLst>
+        </p:spPr>
+      </p:pic>
+      <p:sp>
+        <p:nvSpPr>
+          <p:cNvPr id="4" name="TextBox 3"/>
+          <p:cNvSpPr txBox="1"/>
+          <p:nvPr/>
+        </p:nvSpPr>
+        <p:spPr>
+          <a:xfrm>
+            <a:off x="2019300" y="4902200"/>
+            <a:ext cx="5537200" cy="646331"/>
+          </a:xfrm>
+          <a:prstGeom prst="rect">
+            <a:avLst/>
+          </a:prstGeom>
+          <a:noFill/>
+        </p:spPr>
+        <p:txBody>
+          <a:bodyPr wrap="square" rtlCol="0">
+            <a:spAutoFit/>
+          </a:bodyPr>
+          <a:lstStyle/>
+          <a:p>
+            <a:pPr algn="ctr"/>
+            <a:r>
+              <a:rPr lang="en-US" dirty="0"/>
+              <a:t>View all lists an employee belongs to</a:t>
+            </a:r>
+          </a:p>
+          <a:p>
+            <a:pPr algn="ctr"/>
+            <a:endParaRPr lang="en-US" dirty="0"/>
+          </a:p>
+        </p:txBody>
+      </p:sp>
+    </p:spTree>
+    <p:extLst>
+      <p:ext uri="{BB962C8B-B14F-4D97-AF65-F5344CB8AC3E}">
+        <p14:creationId xmlns:p14="http://schemas.microsoft.com/office/powerpoint/2010/main" val="1504858128"/>
+      </p:ext>
+    </p:extLst>
+  </p:cSld>
+  <p:clrMapOvr>
+    <a:masterClrMapping/>
+  </p:clrMapOvr>
+  <p:timing>
+    <p:tnLst>
+      <p:par>
+        <p:cTn id="1" dur="indefinite" restart="never" nodeType="tmRoot"/>
+      </p:par>
+    </p:tnLst>
+  </p:timing>
 </p:sld>
 </file>
 
